--- a/PPT_Presentation/Final_CS2_Presentation.pptx
+++ b/PPT_Presentation/Final_CS2_Presentation.pptx
@@ -5,10 +5,10 @@
     <p:sldMasterId id="2147483648" r:id="rId1"/>
   </p:sldMasterIdLst>
   <p:notesMasterIdLst>
-    <p:notesMasterId r:id="rId18"/>
+    <p:notesMasterId r:id="rId19"/>
   </p:notesMasterIdLst>
   <p:handoutMasterIdLst>
-    <p:handoutMasterId r:id="rId19"/>
+    <p:handoutMasterId r:id="rId20"/>
   </p:handoutMasterIdLst>
   <p:sldIdLst>
     <p:sldId id="256" r:id="rId2"/>
@@ -27,6 +27,7 @@
     <p:sldId id="272" r:id="rId15"/>
     <p:sldId id="273" r:id="rId16"/>
     <p:sldId id="274" r:id="rId17"/>
+    <p:sldId id="275" r:id="rId18"/>
   </p:sldIdLst>
   <p:sldSz cx="9144000" cy="6858000" type="screen4x3"/>
   <p:notesSz cx="6858000" cy="9144000"/>
@@ -1143,6 +1144,114 @@
             <a:fld id="{0A311384-93AA-7245-82EB-C0B1124C1597}" type="slidenum">
               <a:rPr lang="en-US" smtClean="0"/>
               <a:t>16</a:t>
+            </a:fld>
+            <a:endParaRPr lang="en-US"/>
+          </a:p>
+        </p:txBody>
+      </p:sp>
+    </p:spTree>
+    <p:extLst>
+      <p:ext uri="{BB962C8B-B14F-4D97-AF65-F5344CB8AC3E}">
+        <p14:creationId xmlns:p14="http://schemas.microsoft.com/office/powerpoint/2010/main" val="1168867185"/>
+      </p:ext>
+    </p:extLst>
+  </p:cSld>
+  <p:clrMapOvr>
+    <a:masterClrMapping/>
+  </p:clrMapOvr>
+</p:notes>
+</file>
+
+<file path=ppt/notesSlides/notesSlide14.xml><?xml version="1.0" encoding="utf-8"?>
+<p:notes xmlns:a="http://schemas.openxmlformats.org/drawingml/2006/main" xmlns:r="http://schemas.openxmlformats.org/officeDocument/2006/relationships" xmlns:p="http://schemas.openxmlformats.org/presentationml/2006/main">
+  <p:cSld>
+    <p:spTree>
+      <p:nvGrpSpPr>
+        <p:cNvPr id="1" name=""/>
+        <p:cNvGrpSpPr/>
+        <p:nvPr/>
+      </p:nvGrpSpPr>
+      <p:grpSpPr>
+        <a:xfrm>
+          <a:off x="0" y="0"/>
+          <a:ext cx="0" cy="0"/>
+          <a:chOff x="0" y="0"/>
+          <a:chExt cx="0" cy="0"/>
+        </a:xfrm>
+      </p:grpSpPr>
+      <p:sp>
+        <p:nvSpPr>
+          <p:cNvPr id="2" name="Slide Image Placeholder 1"/>
+          <p:cNvSpPr>
+            <a:spLocks noGrp="1" noRot="1" noChangeAspect="1"/>
+          </p:cNvSpPr>
+          <p:nvPr>
+            <p:ph type="sldImg"/>
+          </p:nvPr>
+        </p:nvSpPr>
+        <p:spPr/>
+      </p:sp>
+      <p:sp>
+        <p:nvSpPr>
+          <p:cNvPr id="3" name="Notes Placeholder 2"/>
+          <p:cNvSpPr>
+            <a:spLocks noGrp="1"/>
+          </p:cNvSpPr>
+          <p:nvPr>
+            <p:ph type="body" idx="1"/>
+          </p:nvPr>
+        </p:nvSpPr>
+        <p:spPr/>
+        <p:txBody>
+          <a:bodyPr/>
+          <a:lstStyle/>
+          <a:p>
+            <a:r>
+              <a:rPr lang="en-US" smtClean="0"/>
+              <a:t>Used</a:t>
+            </a:r>
+            <a:r>
+              <a:rPr lang="en-US" baseline="0" smtClean="0"/>
+              <a:t> p-value of </a:t>
+            </a:r>
+            <a:r>
+              <a:rPr lang="en-US" smtClean="0"/>
+              <a:t>0.0017</a:t>
+            </a:r>
+            <a:r>
+              <a:rPr lang="en-US" baseline="0" smtClean="0"/>
+              <a:t> </a:t>
+            </a:r>
+            <a:r>
+              <a:rPr lang="en-US" baseline="0" dirty="0" smtClean="0"/>
+              <a:t>to account for </a:t>
+            </a:r>
+            <a:r>
+              <a:rPr lang="en-US" baseline="0" smtClean="0"/>
+              <a:t>simultaneous comparisons</a:t>
+            </a:r>
+            <a:endParaRPr lang="en-US"/>
+          </a:p>
+        </p:txBody>
+      </p:sp>
+      <p:sp>
+        <p:nvSpPr>
+          <p:cNvPr id="4" name="Slide Number Placeholder 3"/>
+          <p:cNvSpPr>
+            <a:spLocks noGrp="1"/>
+          </p:cNvSpPr>
+          <p:nvPr>
+            <p:ph type="sldNum" sz="quarter" idx="10"/>
+          </p:nvPr>
+        </p:nvSpPr>
+        <p:spPr/>
+        <p:txBody>
+          <a:bodyPr/>
+          <a:lstStyle/>
+          <a:p>
+            <a:fld id="{0A311384-93AA-7245-82EB-C0B1124C1597}" type="slidenum">
+              <a:rPr lang="en-US" smtClean="0"/>
+              <a:t>17</a:t>
             </a:fld>
             <a:endParaRPr lang="en-US"/>
           </a:p>
@@ -7105,6 +7214,182 @@
     <p:extLst>
       <p:ext uri="{BB962C8B-B14F-4D97-AF65-F5344CB8AC3E}">
         <p14:creationId xmlns:p14="http://schemas.microsoft.com/office/powerpoint/2010/main" val="3936370863"/>
+      </p:ext>
+    </p:extLst>
+  </p:cSld>
+  <p:clrMapOvr>
+    <a:masterClrMapping/>
+  </p:clrMapOvr>
+  <p:timing>
+    <p:tnLst>
+      <p:par>
+        <p:cTn xmlns:p14="http://schemas.microsoft.com/office/powerpoint/2010/main" id="1" dur="indefinite" restart="never" nodeType="tmRoot"/>
+      </p:par>
+    </p:tnLst>
+  </p:timing>
+</p:sld>
+</file>
+
+<file path=ppt/slides/slide17.xml><?xml version="1.0" encoding="utf-8"?>
+<p:sld xmlns:a="http://schemas.openxmlformats.org/drawingml/2006/main" xmlns:r="http://schemas.openxmlformats.org/officeDocument/2006/relationships" xmlns:p="http://schemas.openxmlformats.org/presentationml/2006/main">
+  <p:cSld>
+    <p:spTree>
+      <p:nvGrpSpPr>
+        <p:cNvPr id="1" name=""/>
+        <p:cNvGrpSpPr/>
+        <p:nvPr/>
+      </p:nvGrpSpPr>
+      <p:grpSpPr>
+        <a:xfrm>
+          <a:off x="0" y="0"/>
+          <a:ext cx="0" cy="0"/>
+          <a:chOff x="0" y="0"/>
+          <a:chExt cx="0" cy="0"/>
+        </a:xfrm>
+      </p:grpSpPr>
+      <p:sp>
+        <p:nvSpPr>
+          <p:cNvPr id="2" name="Title 1"/>
+          <p:cNvSpPr>
+            <a:spLocks noGrp="1"/>
+          </p:cNvSpPr>
+          <p:nvPr>
+            <p:ph type="title"/>
+          </p:nvPr>
+        </p:nvSpPr>
+        <p:spPr/>
+        <p:txBody>
+          <a:bodyPr/>
+          <a:lstStyle/>
+          <a:p>
+            <a:r>
+              <a:rPr lang="en-US" sz="4400" dirty="0" smtClean="0"/>
+              <a:t>Links</a:t>
+            </a:r>
+            <a:endParaRPr lang="en-US" sz="4400" dirty="0"/>
+          </a:p>
+        </p:txBody>
+      </p:sp>
+      <p:sp>
+        <p:nvSpPr>
+          <p:cNvPr id="4" name="Slide Number Placeholder 3"/>
+          <p:cNvSpPr>
+            <a:spLocks noGrp="1"/>
+          </p:cNvSpPr>
+          <p:nvPr>
+            <p:ph type="sldNum" sz="quarter" idx="12"/>
+          </p:nvPr>
+        </p:nvSpPr>
+        <p:spPr/>
+        <p:txBody>
+          <a:bodyPr/>
+          <a:lstStyle/>
+          <a:p>
+            <a:fld id="{BA9B540C-44DA-4F69-89C9-7C84606640D3}" type="slidenum">
+              <a:rPr lang="en-US" smtClean="0"/>
+              <a:pPr/>
+              <a:t>17</a:t>
+            </a:fld>
+            <a:endParaRPr lang="en-US"/>
+          </a:p>
+        </p:txBody>
+      </p:sp>
+      <p:sp>
+        <p:nvSpPr>
+          <p:cNvPr id="3" name="Content Placeholder 2"/>
+          <p:cNvSpPr>
+            <a:spLocks noGrp="1"/>
+          </p:cNvSpPr>
+          <p:nvPr>
+            <p:ph idx="1"/>
+          </p:nvPr>
+        </p:nvSpPr>
+        <p:spPr/>
+        <p:txBody>
+          <a:bodyPr/>
+          <a:lstStyle/>
+          <a:p>
+            <a:r>
+              <a:rPr lang="en-US" dirty="0" smtClean="0"/>
+              <a:t>Personal website updated with this study</a:t>
+            </a:r>
+          </a:p>
+          <a:p>
+            <a:pPr lvl="1"/>
+            <a:r>
+              <a:rPr lang="en-US" dirty="0">
+                <a:hlinkClick r:id="rId3"/>
+              </a:rPr>
+              <a:t>https://c-stewart-gh.github.io/C_Stewart.github.io</a:t>
+            </a:r>
+            <a:r>
+              <a:rPr lang="en-US" dirty="0" smtClean="0">
+                <a:hlinkClick r:id="rId3"/>
+              </a:rPr>
+              <a:t>/</a:t>
+            </a:r>
+            <a:endParaRPr lang="en-US" dirty="0" smtClean="0"/>
+          </a:p>
+          <a:p>
+            <a:pPr lvl="1"/>
+            <a:endParaRPr lang="en-US" dirty="0"/>
+          </a:p>
+          <a:p>
+            <a:r>
+              <a:rPr lang="en-US" dirty="0" smtClean="0"/>
+              <a:t>Final YouTube Link</a:t>
+            </a:r>
+          </a:p>
+          <a:p>
+            <a:pPr lvl="1"/>
+            <a:r>
+              <a:rPr lang="en-US" dirty="0"/>
+              <a:t>https://</a:t>
+            </a:r>
+            <a:r>
+              <a:rPr lang="en-US" dirty="0" err="1"/>
+              <a:t>www.youtube.com</a:t>
+            </a:r>
+            <a:r>
+              <a:rPr lang="en-US" dirty="0"/>
+              <a:t>/channel/UCMmqZqn0Hb1HJS6nMHIeR-A</a:t>
+            </a:r>
+          </a:p>
+          <a:p>
+            <a:endParaRPr lang="en-US" dirty="0"/>
+          </a:p>
+          <a:p>
+            <a:r>
+              <a:rPr lang="en-US" dirty="0" err="1" smtClean="0"/>
+              <a:t>GitHub</a:t>
+            </a:r>
+            <a:r>
+              <a:rPr lang="en-US" dirty="0" smtClean="0"/>
+              <a:t> Link</a:t>
+            </a:r>
+          </a:p>
+          <a:p>
+            <a:pPr lvl="1"/>
+            <a:r>
+              <a:rPr lang="en-US" dirty="0"/>
+              <a:t>https://</a:t>
+            </a:r>
+            <a:r>
+              <a:rPr lang="en-US" dirty="0" err="1"/>
+              <a:t>github.com</a:t>
+            </a:r>
+            <a:r>
+              <a:rPr lang="en-US" dirty="0"/>
+              <a:t>/C-Stewart-GH/CaseStudy2DDS</a:t>
+            </a:r>
+            <a:endParaRPr lang="en-US" dirty="0" smtClean="0"/>
+          </a:p>
+        </p:txBody>
+      </p:sp>
+    </p:spTree>
+    <p:extLst>
+      <p:ext uri="{BB962C8B-B14F-4D97-AF65-F5344CB8AC3E}">
+        <p14:creationId xmlns:p14="http://schemas.microsoft.com/office/powerpoint/2010/main" val="637883801"/>
       </p:ext>
     </p:extLst>
   </p:cSld>

--- a/PPT_Presentation/Final_CS2_Presentation.pptx
+++ b/PPT_Presentation/Final_CS2_Presentation.pptx
@@ -5,10 +5,10 @@
     <p:sldMasterId id="2147483648" r:id="rId1"/>
   </p:sldMasterIdLst>
   <p:notesMasterIdLst>
-    <p:notesMasterId r:id="rId19"/>
+    <p:notesMasterId r:id="rId18"/>
   </p:notesMasterIdLst>
   <p:handoutMasterIdLst>
-    <p:handoutMasterId r:id="rId20"/>
+    <p:handoutMasterId r:id="rId19"/>
   </p:handoutMasterIdLst>
   <p:sldIdLst>
     <p:sldId id="256" r:id="rId2"/>
@@ -25,9 +25,8 @@
     <p:sldId id="269" r:id="rId13"/>
     <p:sldId id="271" r:id="rId14"/>
     <p:sldId id="272" r:id="rId15"/>
-    <p:sldId id="273" r:id="rId16"/>
-    <p:sldId id="274" r:id="rId17"/>
-    <p:sldId id="275" r:id="rId18"/>
+    <p:sldId id="274" r:id="rId16"/>
+    <p:sldId id="275" r:id="rId17"/>
   </p:sldIdLst>
   <p:sldSz cx="9144000" cy="6858000" type="screen4x3"/>
   <p:notesSz cx="6858000" cy="9144000"/>
@@ -211,7 +210,7 @@
           <a:p>
             <a:fld id="{E175A1A5-8511-3E40-9EBA-5803CBA55925}" type="datetimeFigureOut">
               <a:rPr lang="en-US" smtClean="0"/>
-              <a:t>4/14/21</a:t>
+              <a:t>4/16/21</a:t>
             </a:fld>
             <a:endParaRPr lang="en-US"/>
           </a:p>
@@ -377,7 +376,7 @@
           <a:p>
             <a:fld id="{C777EE4D-A49C-EA4B-BA6D-F7F6E96221A4}" type="datetimeFigureOut">
               <a:rPr lang="en-US" smtClean="0"/>
-              <a:t>4/14/21</a:t>
+              <a:t>4/16/21</a:t>
             </a:fld>
             <a:endParaRPr lang="en-US"/>
           </a:p>
@@ -1162,114 +1161,6 @@
 </p:notes>
 </file>
 
-<file path=ppt/notesSlides/notesSlide14.xml><?xml version="1.0" encoding="utf-8"?>
-<p:notes xmlns:a="http://schemas.openxmlformats.org/drawingml/2006/main" xmlns:r="http://schemas.openxmlformats.org/officeDocument/2006/relationships" xmlns:p="http://schemas.openxmlformats.org/presentationml/2006/main">
-  <p:cSld>
-    <p:spTree>
-      <p:nvGrpSpPr>
-        <p:cNvPr id="1" name=""/>
-        <p:cNvGrpSpPr/>
-        <p:nvPr/>
-      </p:nvGrpSpPr>
-      <p:grpSpPr>
-        <a:xfrm>
-          <a:off x="0" y="0"/>
-          <a:ext cx="0" cy="0"/>
-          <a:chOff x="0" y="0"/>
-          <a:chExt cx="0" cy="0"/>
-        </a:xfrm>
-      </p:grpSpPr>
-      <p:sp>
-        <p:nvSpPr>
-          <p:cNvPr id="2" name="Slide Image Placeholder 1"/>
-          <p:cNvSpPr>
-            <a:spLocks noGrp="1" noRot="1" noChangeAspect="1"/>
-          </p:cNvSpPr>
-          <p:nvPr>
-            <p:ph type="sldImg"/>
-          </p:nvPr>
-        </p:nvSpPr>
-        <p:spPr/>
-      </p:sp>
-      <p:sp>
-        <p:nvSpPr>
-          <p:cNvPr id="3" name="Notes Placeholder 2"/>
-          <p:cNvSpPr>
-            <a:spLocks noGrp="1"/>
-          </p:cNvSpPr>
-          <p:nvPr>
-            <p:ph type="body" idx="1"/>
-          </p:nvPr>
-        </p:nvSpPr>
-        <p:spPr/>
-        <p:txBody>
-          <a:bodyPr/>
-          <a:lstStyle/>
-          <a:p>
-            <a:r>
-              <a:rPr lang="en-US" smtClean="0"/>
-              <a:t>Used</a:t>
-            </a:r>
-            <a:r>
-              <a:rPr lang="en-US" baseline="0" smtClean="0"/>
-              <a:t> p-value of </a:t>
-            </a:r>
-            <a:r>
-              <a:rPr lang="en-US" smtClean="0"/>
-              <a:t>0.0017</a:t>
-            </a:r>
-            <a:r>
-              <a:rPr lang="en-US" baseline="0" smtClean="0"/>
-              <a:t> </a:t>
-            </a:r>
-            <a:r>
-              <a:rPr lang="en-US" baseline="0" dirty="0" smtClean="0"/>
-              <a:t>to account for </a:t>
-            </a:r>
-            <a:r>
-              <a:rPr lang="en-US" baseline="0" smtClean="0"/>
-              <a:t>simultaneous comparisons</a:t>
-            </a:r>
-            <a:endParaRPr lang="en-US"/>
-          </a:p>
-        </p:txBody>
-      </p:sp>
-      <p:sp>
-        <p:nvSpPr>
-          <p:cNvPr id="4" name="Slide Number Placeholder 3"/>
-          <p:cNvSpPr>
-            <a:spLocks noGrp="1"/>
-          </p:cNvSpPr>
-          <p:nvPr>
-            <p:ph type="sldNum" sz="quarter" idx="10"/>
-          </p:nvPr>
-        </p:nvSpPr>
-        <p:spPr/>
-        <p:txBody>
-          <a:bodyPr/>
-          <a:lstStyle/>
-          <a:p>
-            <a:fld id="{0A311384-93AA-7245-82EB-C0B1124C1597}" type="slidenum">
-              <a:rPr lang="en-US" smtClean="0"/>
-              <a:t>17</a:t>
-            </a:fld>
-            <a:endParaRPr lang="en-US"/>
-          </a:p>
-        </p:txBody>
-      </p:sp>
-    </p:spTree>
-    <p:extLst>
-      <p:ext uri="{BB962C8B-B14F-4D97-AF65-F5344CB8AC3E}">
-        <p14:creationId xmlns:p14="http://schemas.microsoft.com/office/powerpoint/2010/main" val="1168867185"/>
-      </p:ext>
-    </p:extLst>
-  </p:cSld>
-  <p:clrMapOvr>
-    <a:masterClrMapping/>
-  </p:clrMapOvr>
-</p:notes>
-</file>
-
 <file path=ppt/notesSlides/notesSlide2.xml><?xml version="1.0" encoding="utf-8"?>
 <p:notes xmlns:a="http://schemas.openxmlformats.org/drawingml/2006/main" xmlns:r="http://schemas.openxmlformats.org/officeDocument/2006/relationships" xmlns:p="http://schemas.openxmlformats.org/presentationml/2006/main">
   <p:cSld>
@@ -2318,7 +2209,7 @@
           <a:p>
             <a:fld id="{4CA497D0-E8E8-0641-B804-81A28B83C3E5}" type="datetime1">
               <a:rPr lang="en-US" smtClean="0"/>
-              <a:t>4/14/21</a:t>
+              <a:t>4/16/21</a:t>
             </a:fld>
             <a:endParaRPr lang="en-US" dirty="0"/>
           </a:p>
@@ -2488,7 +2379,7 @@
           <a:p>
             <a:fld id="{0D0701AC-2E49-B044-A683-9D0FD655FF2A}" type="datetime1">
               <a:rPr lang="en-US" smtClean="0"/>
-              <a:t>4/14/21</a:t>
+              <a:t>4/16/21</a:t>
             </a:fld>
             <a:endParaRPr lang="en-US"/>
           </a:p>
@@ -2668,7 +2559,7 @@
           <a:p>
             <a:fld id="{83849620-6472-CC4D-B89B-2BCCBFDA5229}" type="datetime1">
               <a:rPr lang="en-US" smtClean="0"/>
-              <a:t>4/14/21</a:t>
+              <a:t>4/16/21</a:t>
             </a:fld>
             <a:endParaRPr lang="en-US"/>
           </a:p>
@@ -2856,7 +2747,7 @@
           <a:p>
             <a:fld id="{CA25FCDC-7032-FD4C-BB12-EC36AC11305A}" type="datetime1">
               <a:rPr lang="en-US" smtClean="0"/>
-              <a:t>4/14/21</a:t>
+              <a:t>4/16/21</a:t>
             </a:fld>
             <a:endParaRPr lang="en-US"/>
           </a:p>
@@ -3123,7 +3014,7 @@
           <a:p>
             <a:fld id="{A0905958-969F-E448-86DC-41E55B923AC0}" type="datetime1">
               <a:rPr lang="en-US" smtClean="0"/>
-              <a:t>4/14/21</a:t>
+              <a:t>4/16/21</a:t>
             </a:fld>
             <a:endParaRPr lang="en-US"/>
           </a:p>
@@ -3476,7 +3367,7 @@
           <a:p>
             <a:fld id="{5E8AC284-6D3D-B34A-9035-88A07FE5047F}" type="datetime1">
               <a:rPr lang="en-US" smtClean="0"/>
-              <a:t>4/14/21</a:t>
+              <a:t>4/16/21</a:t>
             </a:fld>
             <a:endParaRPr lang="en-US"/>
           </a:p>
@@ -3789,7 +3680,7 @@
           <a:p>
             <a:fld id="{37D73D52-3D77-5B44-8DB6-980B8F3FDBF0}" type="datetime1">
               <a:rPr lang="en-US" smtClean="0"/>
-              <a:t>4/14/21</a:t>
+              <a:t>4/16/21</a:t>
             </a:fld>
             <a:endParaRPr lang="en-US"/>
           </a:p>
@@ -4021,7 +3912,7 @@
           <a:p>
             <a:fld id="{AC8C8D71-DE72-5E45-B205-56396FBF14E7}" type="datetime1">
               <a:rPr lang="en-US" smtClean="0"/>
-              <a:t>4/14/21</a:t>
+              <a:t>4/16/21</a:t>
             </a:fld>
             <a:endParaRPr lang="en-US"/>
           </a:p>
@@ -4116,7 +4007,7 @@
           <a:p>
             <a:fld id="{B8B0FEAE-2046-6546-849C-5209F6C30D47}" type="datetime1">
               <a:rPr lang="en-US" smtClean="0"/>
-              <a:t>4/14/21</a:t>
+              <a:t>4/16/21</a:t>
             </a:fld>
             <a:endParaRPr lang="en-US"/>
           </a:p>
@@ -4409,7 +4300,7 @@
           <a:p>
             <a:fld id="{F48A616F-3253-114E-A366-B998E318C3A0}" type="datetime1">
               <a:rPr lang="en-US" smtClean="0"/>
-              <a:t>4/14/21</a:t>
+              <a:t>4/16/21</a:t>
             </a:fld>
             <a:endParaRPr lang="en-US"/>
           </a:p>
@@ -4683,7 +4574,7 @@
           <a:p>
             <a:fld id="{93A76DB9-C071-5F40-BB8B-3EF9A8D4A02C}" type="datetime1">
               <a:rPr lang="en-US" smtClean="0"/>
-              <a:t>4/14/21</a:t>
+              <a:t>4/16/21</a:t>
             </a:fld>
             <a:endParaRPr lang="en-US"/>
           </a:p>
@@ -4898,7 +4789,7 @@
           <a:p>
             <a:fld id="{C33EA77F-87DD-AB4B-A466-A62D904A51DD}" type="datetime1">
               <a:rPr lang="en-US" smtClean="0"/>
-              <a:t>4/14/21</a:t>
+              <a:t>4/16/21</a:t>
             </a:fld>
             <a:endParaRPr lang="en-US" dirty="0"/>
           </a:p>
@@ -5649,7 +5540,15 @@
             </a:pPr>
             <a:r>
               <a:rPr lang="en-US" sz="1400" dirty="0"/>
-              <a:t>Significant variables (numerical only) based on t-test along with correlation coefficient (R</a:t>
+              <a:t>Significant variables (numerical only) based on </a:t>
+            </a:r>
+            <a:r>
+              <a:rPr lang="en-US" sz="1400" dirty="0" smtClean="0"/>
+              <a:t>two sample t</a:t>
+            </a:r>
+            <a:r>
+              <a:rPr lang="en-US" sz="1400" dirty="0"/>
+              <a:t>-test along with correlation coefficient (R</a:t>
             </a:r>
             <a:r>
               <a:rPr lang="en-US" sz="1400" dirty="0" smtClean="0"/>
@@ -6613,8 +6512,26 @@
             </a:r>
             <a:r>
               <a:rPr lang="en-US" sz="1400" dirty="0" smtClean="0"/>
-              <a:t>*JobRole</a:t>
-            </a:r>
+              <a:t>*</a:t>
+            </a:r>
+            <a:r>
+              <a:rPr lang="en-US" sz="1400" dirty="0" smtClean="0"/>
+              <a:t>JobRole</a:t>
+            </a:r>
+          </a:p>
+          <a:p>
+            <a:endParaRPr lang="en-US" sz="1400" dirty="0"/>
+          </a:p>
+          <a:p>
+            <a:r>
+              <a:rPr lang="en-US" sz="1400" dirty="0"/>
+              <a:t>RMSE from final model: $973.84 (which beats the &lt;$3000 requirement</a:t>
+            </a:r>
+            <a:r>
+              <a:rPr lang="en-US" sz="1400" dirty="0" smtClean="0"/>
+              <a:t>)</a:t>
+            </a:r>
+            <a:endParaRPr lang="en-US" sz="1400" dirty="0" smtClean="0"/>
           </a:p>
           <a:p>
             <a:pPr marL="0" indent="0">
@@ -6736,15 +6653,6 @@
             <a:pPr marL="0" indent="0">
               <a:buNone/>
             </a:pPr>
-            <a:r>
-              <a:rPr lang="en-US" sz="1400" dirty="0" smtClean="0"/>
-              <a:t>RMSE from final model: 973.8445</a:t>
-            </a:r>
-          </a:p>
-          <a:p>
-            <a:pPr marL="0" indent="0">
-              <a:buNone/>
-            </a:pPr>
             <a:endParaRPr lang="en-US" sz="1400" dirty="0"/>
           </a:p>
           <a:p>
@@ -6848,6 +6756,298 @@
           </a:prstGeom>
         </p:spPr>
       </p:pic>
+      <p:sp>
+        <p:nvSpPr>
+          <p:cNvPr id="7" name="Content Placeholder 2"/>
+          <p:cNvSpPr txBox="1">
+            <a:spLocks/>
+          </p:cNvSpPr>
+          <p:nvPr/>
+        </p:nvSpPr>
+        <p:spPr>
+          <a:xfrm>
+            <a:off x="6599766" y="2880783"/>
+            <a:ext cx="2554817" cy="3475567"/>
+          </a:xfrm>
+          <a:prstGeom prst="rect">
+            <a:avLst/>
+          </a:prstGeom>
+        </p:spPr>
+        <p:txBody>
+          <a:bodyPr vert="horz" lIns="91440" tIns="45720" rIns="91440" bIns="45720" rtlCol="0">
+            <a:normAutofit/>
+          </a:bodyPr>
+          <a:lstStyle>
+            <a:lvl1pPr marL="342900" indent="-342900" algn="l" defTabSz="914400" rtl="0" eaLnBrk="1" latinLnBrk="0" hangingPunct="1">
+              <a:spcBef>
+                <a:spcPct val="20000"/>
+              </a:spcBef>
+              <a:buFont typeface="Arial" pitchFamily="34" charset="0"/>
+              <a:buChar char="•"/>
+              <a:defRPr sz="2400" kern="1200">
+                <a:solidFill>
+                  <a:schemeClr val="tx1">
+                    <a:lumMod val="50000"/>
+                    <a:lumOff val="50000"/>
+                  </a:schemeClr>
+                </a:solidFill>
+                <a:latin typeface="+mj-lt"/>
+                <a:ea typeface="+mn-ea"/>
+                <a:cs typeface="+mn-cs"/>
+              </a:defRPr>
+            </a:lvl1pPr>
+            <a:lvl2pPr marL="742950" indent="-285750" algn="l" defTabSz="914400" rtl="0" eaLnBrk="1" latinLnBrk="0" hangingPunct="1">
+              <a:spcBef>
+                <a:spcPct val="20000"/>
+              </a:spcBef>
+              <a:buFont typeface="Courier New" pitchFamily="49" charset="0"/>
+              <a:buChar char="o"/>
+              <a:defRPr sz="1600" kern="1200">
+                <a:solidFill>
+                  <a:schemeClr val="tx1">
+                    <a:lumMod val="50000"/>
+                    <a:lumOff val="50000"/>
+                  </a:schemeClr>
+                </a:solidFill>
+                <a:latin typeface="+mj-lt"/>
+                <a:ea typeface="+mn-ea"/>
+                <a:cs typeface="+mn-cs"/>
+              </a:defRPr>
+            </a:lvl2pPr>
+            <a:lvl3pPr marL="1143000" indent="-228600" algn="l" defTabSz="914400" rtl="0" eaLnBrk="1" latinLnBrk="0" hangingPunct="1">
+              <a:spcBef>
+                <a:spcPct val="20000"/>
+              </a:spcBef>
+              <a:buFont typeface="Arial" pitchFamily="34" charset="0"/>
+              <a:buChar char="•"/>
+              <a:defRPr sz="1600" kern="1200">
+                <a:solidFill>
+                  <a:schemeClr val="tx1">
+                    <a:lumMod val="50000"/>
+                    <a:lumOff val="50000"/>
+                  </a:schemeClr>
+                </a:solidFill>
+                <a:latin typeface="+mj-lt"/>
+                <a:ea typeface="+mn-ea"/>
+                <a:cs typeface="+mn-cs"/>
+              </a:defRPr>
+            </a:lvl3pPr>
+            <a:lvl4pPr marL="1600200" indent="-228600" algn="l" defTabSz="914400" rtl="0" eaLnBrk="1" latinLnBrk="0" hangingPunct="1">
+              <a:spcBef>
+                <a:spcPct val="20000"/>
+              </a:spcBef>
+              <a:buFont typeface="Courier New" pitchFamily="49" charset="0"/>
+              <a:buChar char="o"/>
+              <a:defRPr sz="1600" kern="1200">
+                <a:solidFill>
+                  <a:schemeClr val="tx1">
+                    <a:lumMod val="50000"/>
+                    <a:lumOff val="50000"/>
+                  </a:schemeClr>
+                </a:solidFill>
+                <a:latin typeface="+mj-lt"/>
+                <a:ea typeface="+mn-ea"/>
+                <a:cs typeface="+mn-cs"/>
+              </a:defRPr>
+            </a:lvl4pPr>
+            <a:lvl5pPr marL="2057400" indent="-228600" algn="l" defTabSz="914400" rtl="0" eaLnBrk="1" latinLnBrk="0" hangingPunct="1">
+              <a:spcBef>
+                <a:spcPct val="20000"/>
+              </a:spcBef>
+              <a:buFont typeface="Arial" pitchFamily="34" charset="0"/>
+              <a:buChar char="•"/>
+              <a:defRPr sz="1600" kern="1200">
+                <a:solidFill>
+                  <a:schemeClr val="tx1">
+                    <a:lumMod val="50000"/>
+                    <a:lumOff val="50000"/>
+                  </a:schemeClr>
+                </a:solidFill>
+                <a:latin typeface="+mj-lt"/>
+                <a:ea typeface="+mn-ea"/>
+                <a:cs typeface="+mn-cs"/>
+              </a:defRPr>
+            </a:lvl5pPr>
+            <a:lvl6pPr marL="2514600" indent="-228600" algn="l" defTabSz="914400" rtl="0" eaLnBrk="1" latinLnBrk="0" hangingPunct="1">
+              <a:spcBef>
+                <a:spcPct val="20000"/>
+              </a:spcBef>
+              <a:buFont typeface="Courier New" pitchFamily="49" charset="0"/>
+              <a:buChar char="o"/>
+              <a:defRPr sz="1600" kern="1200">
+                <a:solidFill>
+                  <a:schemeClr val="tx1">
+                    <a:lumMod val="50000"/>
+                    <a:lumOff val="50000"/>
+                  </a:schemeClr>
+                </a:solidFill>
+                <a:latin typeface="+mj-lt"/>
+                <a:ea typeface="+mn-ea"/>
+                <a:cs typeface="+mn-cs"/>
+              </a:defRPr>
+            </a:lvl6pPr>
+            <a:lvl7pPr marL="2971800" indent="-228600" algn="l" defTabSz="914400" rtl="0" eaLnBrk="1" latinLnBrk="0" hangingPunct="1">
+              <a:spcBef>
+                <a:spcPct val="20000"/>
+              </a:spcBef>
+              <a:buFont typeface="Arial" pitchFamily="34" charset="0"/>
+              <a:buChar char="•"/>
+              <a:defRPr sz="1600" kern="1200">
+                <a:solidFill>
+                  <a:schemeClr val="tx1">
+                    <a:lumMod val="50000"/>
+                    <a:lumOff val="50000"/>
+                  </a:schemeClr>
+                </a:solidFill>
+                <a:latin typeface="+mj-lt"/>
+                <a:ea typeface="+mn-ea"/>
+                <a:cs typeface="+mn-cs"/>
+              </a:defRPr>
+            </a:lvl7pPr>
+            <a:lvl8pPr marL="3429000" indent="-228600" algn="l" defTabSz="914400" rtl="0" eaLnBrk="1" latinLnBrk="0" hangingPunct="1">
+              <a:spcBef>
+                <a:spcPct val="20000"/>
+              </a:spcBef>
+              <a:buFont typeface="Courier New" pitchFamily="49" charset="0"/>
+              <a:buChar char="o"/>
+              <a:defRPr sz="1600" kern="1200">
+                <a:solidFill>
+                  <a:schemeClr val="tx1">
+                    <a:lumMod val="50000"/>
+                    <a:lumOff val="50000"/>
+                  </a:schemeClr>
+                </a:solidFill>
+                <a:latin typeface="+mj-lt"/>
+                <a:ea typeface="+mn-ea"/>
+                <a:cs typeface="+mn-cs"/>
+              </a:defRPr>
+            </a:lvl8pPr>
+            <a:lvl9pPr marL="3886200" indent="-228600" algn="l" defTabSz="914400" rtl="0" eaLnBrk="1" latinLnBrk="0" hangingPunct="1">
+              <a:spcBef>
+                <a:spcPct val="20000"/>
+              </a:spcBef>
+              <a:buFont typeface="Arial" pitchFamily="34" charset="0"/>
+              <a:buChar char="•"/>
+              <a:defRPr sz="1600" kern="1200">
+                <a:solidFill>
+                  <a:schemeClr val="tx1">
+                    <a:lumMod val="50000"/>
+                    <a:lumOff val="50000"/>
+                  </a:schemeClr>
+                </a:solidFill>
+                <a:latin typeface="+mj-lt"/>
+                <a:ea typeface="+mn-ea"/>
+                <a:cs typeface="+mn-cs"/>
+              </a:defRPr>
+            </a:lvl9pPr>
+          </a:lstStyle>
+          <a:p>
+            <a:pPr marL="0" indent="0">
+              <a:buFont typeface="Arial" pitchFamily="34" charset="0"/>
+              <a:buNone/>
+            </a:pPr>
+            <a:r>
+              <a:rPr lang="en-US" sz="1400" dirty="0" smtClean="0"/>
+              <a:t>Next Steps:</a:t>
+            </a:r>
+          </a:p>
+          <a:p>
+            <a:pPr marL="285750" indent="-285750">
+              <a:buFont typeface="Arial"/>
+              <a:buChar char="•"/>
+            </a:pPr>
+            <a:r>
+              <a:rPr lang="en-US" sz="1400" dirty="0" smtClean="0"/>
+              <a:t>Predict test values calculated based on model</a:t>
+            </a:r>
+          </a:p>
+          <a:p>
+            <a:pPr marL="285750" indent="-285750">
+              <a:buFont typeface="Arial"/>
+              <a:buChar char="•"/>
+            </a:pPr>
+            <a:r>
+              <a:rPr lang="en-US" sz="1400" dirty="0" smtClean="0"/>
+              <a:t>Predicted values stored in file named Case2PredictionsStewartSalary.csv in </a:t>
+            </a:r>
+            <a:r>
+              <a:rPr lang="en-US" sz="1400" dirty="0" err="1" smtClean="0"/>
+              <a:t>GitHub</a:t>
+            </a:r>
+            <a:endParaRPr lang="en-US" sz="1400" dirty="0" smtClean="0"/>
+          </a:p>
+          <a:p>
+            <a:pPr marL="285750" indent="-285750">
+              <a:buFont typeface="Arial"/>
+              <a:buChar char="•"/>
+            </a:pPr>
+            <a:r>
+              <a:rPr lang="en-US" sz="1400" dirty="0" smtClean="0"/>
+              <a:t>Link to repository:</a:t>
+            </a:r>
+          </a:p>
+          <a:p>
+            <a:pPr marL="1028700" lvl="1">
+              <a:buFont typeface="Arial"/>
+              <a:buChar char="•"/>
+            </a:pPr>
+            <a:r>
+              <a:rPr lang="en-US" sz="1400" dirty="0" smtClean="0">
+                <a:hlinkClick r:id="rId4"/>
+              </a:rPr>
+              <a:t>https://github.com/C-Stewart-GH/CaseStudy2DDS</a:t>
+            </a:r>
+            <a:endParaRPr lang="en-US" sz="1400" dirty="0" smtClean="0"/>
+          </a:p>
+          <a:p>
+            <a:pPr marL="0" indent="0">
+              <a:buFont typeface="Arial" pitchFamily="34" charset="0"/>
+              <a:buNone/>
+            </a:pPr>
+            <a:endParaRPr lang="en-US" sz="1400" dirty="0" smtClean="0"/>
+          </a:p>
+          <a:p>
+            <a:pPr marL="0" indent="0">
+              <a:buFont typeface="Arial" pitchFamily="34" charset="0"/>
+              <a:buNone/>
+            </a:pPr>
+            <a:endParaRPr lang="en-US" sz="1400" dirty="0" smtClean="0"/>
+          </a:p>
+          <a:p>
+            <a:pPr marL="0" indent="0">
+              <a:buFont typeface="Arial" pitchFamily="34" charset="0"/>
+              <a:buNone/>
+            </a:pPr>
+            <a:endParaRPr lang="en-US" sz="1400" dirty="0" smtClean="0"/>
+          </a:p>
+          <a:p>
+            <a:pPr marL="0" indent="0">
+              <a:buFont typeface="Arial" pitchFamily="34" charset="0"/>
+              <a:buNone/>
+            </a:pPr>
+            <a:endParaRPr lang="en-US" sz="1400" dirty="0" smtClean="0"/>
+          </a:p>
+          <a:p>
+            <a:pPr marL="0" indent="0">
+              <a:buFont typeface="Arial" pitchFamily="34" charset="0"/>
+              <a:buNone/>
+            </a:pPr>
+            <a:endParaRPr lang="en-US" sz="1400" dirty="0" smtClean="0"/>
+          </a:p>
+          <a:p>
+            <a:endParaRPr lang="en-US" sz="1400" dirty="0" smtClean="0"/>
+          </a:p>
+          <a:p>
+            <a:endParaRPr lang="en-US" sz="1400" dirty="0" smtClean="0"/>
+          </a:p>
+          <a:p>
+            <a:endParaRPr lang="en-US" sz="1400" dirty="0" smtClean="0"/>
+          </a:p>
+          <a:p>
+            <a:endParaRPr lang="en-US" sz="1400" dirty="0"/>
+          </a:p>
+        </p:txBody>
+      </p:sp>
     </p:spTree>
     <p:extLst>
       <p:ext uri="{BB962C8B-B14F-4D97-AF65-F5344CB8AC3E}">
@@ -6902,131 +7102,9 @@
           <a:p>
             <a:r>
               <a:rPr lang="en-US" sz="4400" dirty="0" smtClean="0"/>
-              <a:t>Predicting Monthly Income</a:t>
+              <a:t>Conclusion and Next Steps</a:t>
             </a:r>
             <a:endParaRPr lang="en-US" sz="4400" dirty="0"/>
-          </a:p>
-        </p:txBody>
-      </p:sp>
-      <p:sp>
-        <p:nvSpPr>
-          <p:cNvPr id="3" name="Content Placeholder 2"/>
-          <p:cNvSpPr>
-            <a:spLocks noGrp="1"/>
-          </p:cNvSpPr>
-          <p:nvPr>
-            <p:ph idx="1"/>
-          </p:nvPr>
-        </p:nvSpPr>
-        <p:spPr>
-          <a:xfrm>
-            <a:off x="33866" y="1600200"/>
-            <a:ext cx="6229481" cy="4848003"/>
-          </a:xfrm>
-        </p:spPr>
-        <p:txBody>
-          <a:bodyPr>
-            <a:normAutofit/>
-          </a:bodyPr>
-          <a:lstStyle/>
-          <a:p>
-            <a:pPr marL="0" indent="0">
-              <a:buNone/>
-            </a:pPr>
-            <a:r>
-              <a:rPr lang="en-US" sz="1400" dirty="0"/>
-              <a:t>Next Steps:</a:t>
-            </a:r>
-          </a:p>
-          <a:p>
-            <a:pPr marL="285750" indent="-285750">
-              <a:buFont typeface="Arial"/>
-              <a:buChar char="•"/>
-            </a:pPr>
-            <a:r>
-              <a:rPr lang="en-US" sz="1400" dirty="0"/>
-              <a:t>Test values calculated based on model</a:t>
-            </a:r>
-          </a:p>
-          <a:p>
-            <a:pPr marL="285750" indent="-285750">
-              <a:buFont typeface="Arial"/>
-              <a:buChar char="•"/>
-            </a:pPr>
-            <a:r>
-              <a:rPr lang="en-US" sz="1400" dirty="0"/>
-              <a:t>Predicted values stored in file named Case2PredictionsStewartSalary.csv in </a:t>
-            </a:r>
-            <a:r>
-              <a:rPr lang="en-US" sz="1400" dirty="0" err="1"/>
-              <a:t>GitHub</a:t>
-            </a:r>
-            <a:endParaRPr lang="en-US" sz="1400" dirty="0"/>
-          </a:p>
-          <a:p>
-            <a:pPr marL="285750" indent="-285750">
-              <a:buFont typeface="Arial"/>
-              <a:buChar char="•"/>
-            </a:pPr>
-            <a:r>
-              <a:rPr lang="en-US" sz="1400" dirty="0"/>
-              <a:t>Link to repository:</a:t>
-            </a:r>
-          </a:p>
-          <a:p>
-            <a:pPr marL="1028700" lvl="1">
-              <a:buFont typeface="Arial"/>
-              <a:buChar char="•"/>
-            </a:pPr>
-            <a:r>
-              <a:rPr lang="en-US" sz="1400" dirty="0">
-                <a:hlinkClick r:id="rId3"/>
-              </a:rPr>
-              <a:t>https://github.com/C-Stewart-GH/CaseStudy2DDS</a:t>
-            </a:r>
-            <a:endParaRPr lang="en-US" sz="1400" dirty="0"/>
-          </a:p>
-          <a:p>
-            <a:pPr marL="0" indent="0">
-              <a:buNone/>
-            </a:pPr>
-            <a:endParaRPr lang="en-US" sz="1400" dirty="0" smtClean="0"/>
-          </a:p>
-          <a:p>
-            <a:pPr marL="0" indent="0">
-              <a:buNone/>
-            </a:pPr>
-            <a:endParaRPr lang="en-US" sz="1400" dirty="0" smtClean="0"/>
-          </a:p>
-          <a:p>
-            <a:pPr marL="0" indent="0">
-              <a:buNone/>
-            </a:pPr>
-            <a:endParaRPr lang="en-US" sz="1400" dirty="0" smtClean="0"/>
-          </a:p>
-          <a:p>
-            <a:pPr marL="0" indent="0">
-              <a:buNone/>
-            </a:pPr>
-            <a:endParaRPr lang="en-US" sz="1400" dirty="0"/>
-          </a:p>
-          <a:p>
-            <a:pPr marL="0" indent="0">
-              <a:buNone/>
-            </a:pPr>
-            <a:endParaRPr lang="en-US" sz="1400" dirty="0" smtClean="0"/>
-          </a:p>
-          <a:p>
-            <a:endParaRPr lang="en-US" sz="1400" dirty="0"/>
-          </a:p>
-          <a:p>
-            <a:endParaRPr lang="en-US" sz="1400" dirty="0" smtClean="0"/>
-          </a:p>
-          <a:p>
-            <a:endParaRPr lang="en-US" sz="1400" dirty="0"/>
-          </a:p>
-          <a:p>
-            <a:endParaRPr lang="en-US" sz="1400" dirty="0"/>
           </a:p>
         </p:txBody>
       </p:sp>
@@ -7054,10 +7132,82 @@
           </a:p>
         </p:txBody>
       </p:sp>
+      <p:sp>
+        <p:nvSpPr>
+          <p:cNvPr id="5" name="Content Placeholder 4"/>
+          <p:cNvSpPr>
+            <a:spLocks noGrp="1"/>
+          </p:cNvSpPr>
+          <p:nvPr>
+            <p:ph idx="1"/>
+          </p:nvPr>
+        </p:nvSpPr>
+        <p:spPr/>
+        <p:txBody>
+          <a:bodyPr>
+            <a:normAutofit/>
+          </a:bodyPr>
+          <a:lstStyle/>
+          <a:p>
+            <a:endParaRPr lang="en-US" sz="1800" dirty="0" smtClean="0"/>
+          </a:p>
+          <a:p>
+            <a:r>
+              <a:rPr lang="en-US" sz="1800" dirty="0" smtClean="0"/>
+              <a:t>We provided insight into the relationship of Job Role to Job Satisfaction and Monthly Income</a:t>
+            </a:r>
+          </a:p>
+          <a:p>
+            <a:r>
+              <a:rPr lang="en-US" sz="1800" dirty="0" smtClean="0"/>
+              <a:t>We walked through the variable selection process to predict Attrition using Naïve Bayes and Monthly Income using Multiple Linear Regression</a:t>
+            </a:r>
+          </a:p>
+          <a:p>
+            <a:endParaRPr lang="en-US" sz="1800" dirty="0"/>
+          </a:p>
+          <a:p>
+            <a:r>
+              <a:rPr lang="en-US" sz="1800" dirty="0" smtClean="0"/>
+              <a:t>Next Steps</a:t>
+            </a:r>
+          </a:p>
+          <a:p>
+            <a:pPr lvl="1"/>
+            <a:r>
+              <a:rPr lang="en-US" sz="1800" dirty="0" smtClean="0"/>
+              <a:t>Follow up on results of Test </a:t>
+            </a:r>
+            <a:r>
+              <a:rPr lang="en-US" sz="1800" dirty="0"/>
+              <a:t>D</a:t>
+            </a:r>
+            <a:r>
+              <a:rPr lang="en-US" sz="1800" dirty="0" smtClean="0"/>
+              <a:t>ata</a:t>
+            </a:r>
+          </a:p>
+          <a:p>
+            <a:pPr lvl="1"/>
+            <a:r>
+              <a:rPr lang="en-US" sz="1800" dirty="0" smtClean="0"/>
+              <a:t>Implement models to improve talent management program</a:t>
+            </a:r>
+          </a:p>
+          <a:p>
+            <a:pPr lvl="1"/>
+            <a:r>
+              <a:rPr lang="en-US" sz="1800" dirty="0" smtClean="0"/>
+              <a:t>Review future opportunities to leverage Data Science in the company</a:t>
+            </a:r>
+            <a:endParaRPr lang="en-US" sz="1800" dirty="0"/>
+          </a:p>
+        </p:txBody>
+      </p:sp>
     </p:spTree>
     <p:extLst>
       <p:ext uri="{BB962C8B-B14F-4D97-AF65-F5344CB8AC3E}">
-        <p14:creationId xmlns:p14="http://schemas.microsoft.com/office/powerpoint/2010/main" val="1442724656"/>
+        <p14:creationId xmlns:p14="http://schemas.microsoft.com/office/powerpoint/2010/main" val="3936370863"/>
       </p:ext>
     </p:extLst>
   </p:cSld>
@@ -7108,7 +7258,7 @@
           <a:p>
             <a:r>
               <a:rPr lang="en-US" sz="4400" dirty="0" smtClean="0"/>
-              <a:t>Conclusion and Next Steps</a:t>
+              <a:t>Links</a:t>
             </a:r>
             <a:endParaRPr lang="en-US" sz="4400" dirty="0"/>
           </a:p>
@@ -7140,7 +7290,7 @@
       </p:sp>
       <p:sp>
         <p:nvSpPr>
-          <p:cNvPr id="5" name="Content Placeholder 4"/>
+          <p:cNvPr id="3" name="Content Placeholder 2"/>
           <p:cNvSpPr>
             <a:spLocks noGrp="1"/>
           </p:cNvSpPr>
@@ -7148,170 +7298,62 @@
             <p:ph idx="1"/>
           </p:nvPr>
         </p:nvSpPr>
-        <p:spPr/>
+        <p:spPr>
+          <a:xfrm>
+            <a:off x="457200" y="1600200"/>
+            <a:ext cx="8229600" cy="4756150"/>
+          </a:xfrm>
+        </p:spPr>
         <p:txBody>
           <a:bodyPr>
-            <a:normAutofit/>
+            <a:normAutofit lnSpcReduction="10000"/>
           </a:bodyPr>
-          <a:lstStyle/>
-          <a:p>
-            <a:endParaRPr lang="en-US" sz="1800" dirty="0" smtClean="0"/>
-          </a:p>
-          <a:p>
-            <a:r>
-              <a:rPr lang="en-US" sz="1800" dirty="0" smtClean="0"/>
-              <a:t>We provided insight into the relationship of Job Role to Job Satisfaction and Monthly Income</a:t>
-            </a:r>
-          </a:p>
-          <a:p>
-            <a:r>
-              <a:rPr lang="en-US" sz="1800" dirty="0" smtClean="0"/>
-              <a:t>We walked through the variable selection process to predict Attrition using Naïve Bayes and Monthly Income using Multiple Linear Regression</a:t>
-            </a:r>
-          </a:p>
-          <a:p>
-            <a:endParaRPr lang="en-US" sz="1800" dirty="0"/>
-          </a:p>
-          <a:p>
-            <a:r>
-              <a:rPr lang="en-US" sz="1800" dirty="0" smtClean="0"/>
-              <a:t>Next Steps</a:t>
-            </a:r>
-          </a:p>
-          <a:p>
-            <a:pPr lvl="1"/>
-            <a:r>
-              <a:rPr lang="en-US" sz="1800" dirty="0" smtClean="0"/>
-              <a:t>Follow up on results of Test </a:t>
-            </a:r>
-            <a:r>
-              <a:rPr lang="en-US" sz="1800" dirty="0"/>
-              <a:t>D</a:t>
-            </a:r>
-            <a:r>
-              <a:rPr lang="en-US" sz="1800" dirty="0" smtClean="0"/>
-              <a:t>ata</a:t>
-            </a:r>
-          </a:p>
-          <a:p>
-            <a:pPr lvl="1"/>
-            <a:r>
-              <a:rPr lang="en-US" sz="1800" dirty="0" smtClean="0"/>
-              <a:t>Implement models to improve talent management program</a:t>
-            </a:r>
-          </a:p>
-          <a:p>
-            <a:pPr lvl="1"/>
-            <a:r>
-              <a:rPr lang="en-US" sz="1800" dirty="0" smtClean="0"/>
-              <a:t>Review future opportunities to leverage Data Science in the company</a:t>
-            </a:r>
-            <a:endParaRPr lang="en-US" sz="1800" dirty="0"/>
-          </a:p>
-        </p:txBody>
-      </p:sp>
-    </p:spTree>
-    <p:extLst>
-      <p:ext uri="{BB962C8B-B14F-4D97-AF65-F5344CB8AC3E}">
-        <p14:creationId xmlns:p14="http://schemas.microsoft.com/office/powerpoint/2010/main" val="3936370863"/>
-      </p:ext>
-    </p:extLst>
-  </p:cSld>
-  <p:clrMapOvr>
-    <a:masterClrMapping/>
-  </p:clrMapOvr>
-  <p:timing>
-    <p:tnLst>
-      <p:par>
-        <p:cTn xmlns:p14="http://schemas.microsoft.com/office/powerpoint/2010/main" id="1" dur="indefinite" restart="never" nodeType="tmRoot"/>
-      </p:par>
-    </p:tnLst>
-  </p:timing>
-</p:sld>
-</file>
-
-<file path=ppt/slides/slide17.xml><?xml version="1.0" encoding="utf-8"?>
-<p:sld xmlns:a="http://schemas.openxmlformats.org/drawingml/2006/main" xmlns:r="http://schemas.openxmlformats.org/officeDocument/2006/relationships" xmlns:p="http://schemas.openxmlformats.org/presentationml/2006/main">
-  <p:cSld>
-    <p:spTree>
-      <p:nvGrpSpPr>
-        <p:cNvPr id="1" name=""/>
-        <p:cNvGrpSpPr/>
-        <p:nvPr/>
-      </p:nvGrpSpPr>
-      <p:grpSpPr>
-        <a:xfrm>
-          <a:off x="0" y="0"/>
-          <a:ext cx="0" cy="0"/>
-          <a:chOff x="0" y="0"/>
-          <a:chExt cx="0" cy="0"/>
-        </a:xfrm>
-      </p:grpSpPr>
-      <p:sp>
-        <p:nvSpPr>
-          <p:cNvPr id="2" name="Title 1"/>
-          <p:cNvSpPr>
-            <a:spLocks noGrp="1"/>
-          </p:cNvSpPr>
-          <p:nvPr>
-            <p:ph type="title"/>
-          </p:nvPr>
-        </p:nvSpPr>
-        <p:spPr/>
-        <p:txBody>
-          <a:bodyPr/>
-          <a:lstStyle/>
-          <a:p>
-            <a:r>
-              <a:rPr lang="en-US" sz="4400" dirty="0" smtClean="0"/>
-              <a:t>Links</a:t>
-            </a:r>
-            <a:endParaRPr lang="en-US" sz="4400" dirty="0"/>
-          </a:p>
-        </p:txBody>
-      </p:sp>
-      <p:sp>
-        <p:nvSpPr>
-          <p:cNvPr id="4" name="Slide Number Placeholder 3"/>
-          <p:cNvSpPr>
-            <a:spLocks noGrp="1"/>
-          </p:cNvSpPr>
-          <p:nvPr>
-            <p:ph type="sldNum" sz="quarter" idx="12"/>
-          </p:nvPr>
-        </p:nvSpPr>
-        <p:spPr/>
-        <p:txBody>
-          <a:bodyPr/>
-          <a:lstStyle/>
-          <a:p>
-            <a:fld id="{BA9B540C-44DA-4F69-89C9-7C84606640D3}" type="slidenum">
-              <a:rPr lang="en-US" smtClean="0"/>
-              <a:pPr/>
-              <a:t>17</a:t>
-            </a:fld>
-            <a:endParaRPr lang="en-US"/>
-          </a:p>
-        </p:txBody>
-      </p:sp>
-      <p:sp>
-        <p:nvSpPr>
-          <p:cNvPr id="3" name="Content Placeholder 2"/>
-          <p:cNvSpPr>
-            <a:spLocks noGrp="1"/>
-          </p:cNvSpPr>
-          <p:nvPr>
-            <p:ph idx="1"/>
-          </p:nvPr>
-        </p:nvSpPr>
-        <p:spPr/>
-        <p:txBody>
-          <a:bodyPr/>
           <a:lstStyle/>
           <a:p>
             <a:r>
               <a:rPr lang="en-US" dirty="0" smtClean="0"/>
               <a:t>Personal website updated with this study</a:t>
+            </a:r>
+          </a:p>
+          <a:p>
+            <a:pPr lvl="1"/>
+            <a:r>
+              <a:rPr lang="en-US" dirty="0"/>
+              <a:t>https://c-stewart-gh.github.io/C_Stewart.github.io</a:t>
+            </a:r>
+            <a:r>
+              <a:rPr lang="en-US" dirty="0" smtClean="0"/>
+              <a:t>/</a:t>
+            </a:r>
+          </a:p>
+          <a:p>
+            <a:pPr lvl="1"/>
+            <a:endParaRPr lang="en-US" dirty="0" smtClean="0"/>
+          </a:p>
+          <a:p>
+            <a:pPr lvl="1"/>
+            <a:endParaRPr lang="en-US" dirty="0"/>
+          </a:p>
+          <a:p>
+            <a:endParaRPr lang="en-US" dirty="0" smtClean="0"/>
+          </a:p>
+          <a:p>
+            <a:endParaRPr lang="en-US" dirty="0"/>
+          </a:p>
+          <a:p>
+            <a:endParaRPr lang="en-US" dirty="0" smtClean="0"/>
+          </a:p>
+          <a:p>
+            <a:endParaRPr lang="en-US" dirty="0"/>
+          </a:p>
+          <a:p>
+            <a:r>
+              <a:rPr lang="en-US" dirty="0" smtClean="0"/>
+              <a:t>Final </a:t>
+            </a:r>
+            <a:r>
+              <a:rPr lang="en-US" dirty="0" smtClean="0"/>
+              <a:t>YouTube Link</a:t>
             </a:r>
           </a:p>
           <a:p>
@@ -7320,42 +7362,20 @@
               <a:rPr lang="en-US" dirty="0">
                 <a:hlinkClick r:id="rId3"/>
               </a:rPr>
-              <a:t>https://c-stewart-gh.github.io/C_Stewart.github.io</a:t>
+              <a:t>https://youtu.be/</a:t>
             </a:r>
             <a:r>
               <a:rPr lang="en-US" dirty="0" smtClean="0">
                 <a:hlinkClick r:id="rId3"/>
               </a:rPr>
-              <a:t>/</a:t>
+              <a:t>XJ5SvUdAJTo</a:t>
             </a:r>
             <a:endParaRPr lang="en-US" dirty="0" smtClean="0"/>
           </a:p>
           <a:p>
-            <a:pPr lvl="1"/>
-            <a:endParaRPr lang="en-US" dirty="0"/>
-          </a:p>
-          <a:p>
-            <a:r>
-              <a:rPr lang="en-US" dirty="0" smtClean="0"/>
-              <a:t>Final YouTube Link</a:t>
-            </a:r>
-          </a:p>
-          <a:p>
-            <a:pPr lvl="1"/>
-            <a:r>
-              <a:rPr lang="en-US" dirty="0"/>
-              <a:t>https://</a:t>
-            </a:r>
-            <a:r>
-              <a:rPr lang="en-US" dirty="0" err="1"/>
-              <a:t>www.youtube.com</a:t>
-            </a:r>
-            <a:r>
-              <a:rPr lang="en-US" dirty="0"/>
-              <a:t>/channel/UCMmqZqn0Hb1HJS6nMHIeR-A</a:t>
-            </a:r>
-          </a:p>
-          <a:p>
+            <a:pPr marL="457200" lvl="1" indent="0">
+              <a:buNone/>
+            </a:pPr>
             <a:endParaRPr lang="en-US" dirty="0"/>
           </a:p>
           <a:p>
@@ -7371,21 +7391,50 @@
           <a:p>
             <a:pPr lvl="1"/>
             <a:r>
-              <a:rPr lang="en-US" dirty="0"/>
+              <a:rPr lang="en-US" dirty="0">
+                <a:hlinkClick r:id="rId4"/>
+              </a:rPr>
               <a:t>https://</a:t>
             </a:r>
             <a:r>
-              <a:rPr lang="en-US" dirty="0" err="1"/>
+              <a:rPr lang="en-US" dirty="0" err="1">
+                <a:hlinkClick r:id="rId4"/>
+              </a:rPr>
               <a:t>github.com</a:t>
             </a:r>
             <a:r>
-              <a:rPr lang="en-US" dirty="0"/>
+              <a:rPr lang="en-US" dirty="0">
+                <a:hlinkClick r:id="rId4"/>
+              </a:rPr>
               <a:t>/C-Stewart-GH/CaseStudy2DDS</a:t>
             </a:r>
             <a:endParaRPr lang="en-US" dirty="0" smtClean="0"/>
           </a:p>
         </p:txBody>
       </p:sp>
+      <p:pic>
+        <p:nvPicPr>
+          <p:cNvPr id="6" name="Picture 5"/>
+          <p:cNvPicPr>
+            <a:picLocks noChangeAspect="1"/>
+          </p:cNvPicPr>
+          <p:nvPr/>
+        </p:nvPicPr>
+        <p:blipFill rotWithShape="1">
+          <a:blip r:embed="rId5"/>
+          <a:srcRect b="62019"/>
+          <a:stretch/>
+        </p:blipFill>
+        <p:spPr>
+          <a:xfrm>
+            <a:off x="1121833" y="2328334"/>
+            <a:ext cx="5814368" cy="1566333"/>
+          </a:xfrm>
+          <a:prstGeom prst="rect">
+            <a:avLst/>
+          </a:prstGeom>
+        </p:spPr>
+      </p:pic>
     </p:spTree>
     <p:extLst>
       <p:ext uri="{BB962C8B-B14F-4D97-AF65-F5344CB8AC3E}">
@@ -7467,7 +7516,6 @@
               <a:rPr lang="en-US" dirty="0" smtClean="0"/>
               <a:t>Objectives</a:t>
             </a:r>
-            <a:endParaRPr lang="en-US" dirty="0" smtClean="0"/>
           </a:p>
           <a:p>
             <a:pPr lvl="1"/>
@@ -7475,7 +7523,6 @@
               <a:rPr lang="en-US" dirty="0" smtClean="0"/>
               <a:t>Provide insights on Job Role</a:t>
             </a:r>
-            <a:endParaRPr lang="en-US" dirty="0" smtClean="0"/>
           </a:p>
           <a:p>
             <a:pPr lvl="1"/>
@@ -7503,25 +7550,13 @@
             <a:pPr lvl="1"/>
             <a:r>
               <a:rPr lang="en-US" dirty="0" smtClean="0"/>
-              <a:t>Predict </a:t>
-            </a:r>
+              <a:t>Predict Monthly Income</a:t>
+            </a:r>
+          </a:p>
+          <a:p>
             <a:r>
               <a:rPr lang="en-US" dirty="0" smtClean="0"/>
-              <a:t>Monthly </a:t>
-            </a:r>
-            <a:r>
-              <a:rPr lang="en-US" dirty="0" smtClean="0"/>
-              <a:t>Income</a:t>
-            </a:r>
-          </a:p>
-          <a:p>
-            <a:r>
-              <a:rPr lang="en-US" dirty="0" smtClean="0"/>
-              <a:t>Attrition </a:t>
-            </a:r>
-            <a:r>
-              <a:rPr lang="en-US" dirty="0" smtClean="0"/>
-              <a:t>Statistics (2017)</a:t>
+              <a:t>Attrition Statistics (2017)</a:t>
             </a:r>
           </a:p>
           <a:p>
@@ -7535,11 +7570,7 @@
             <a:pPr lvl="1"/>
             <a:r>
               <a:rPr lang="en-US" dirty="0" smtClean="0"/>
-              <a:t>Global Turnover Rate is 10.9</a:t>
-            </a:r>
-            <a:r>
-              <a:rPr lang="en-US" dirty="0" smtClean="0"/>
-              <a:t>% annually</a:t>
+              <a:t>Global Turnover Rate is 10.9% annually</a:t>
             </a:r>
           </a:p>
           <a:p>
@@ -8066,7 +8097,15 @@
             </a:r>
             <a:r>
               <a:rPr lang="en-US" sz="1400" dirty="0"/>
-              <a:t>3 machine learning </a:t>
+              <a:t>2</a:t>
+            </a:r>
+            <a:r>
+              <a:rPr lang="en-US" sz="1400" dirty="0" smtClean="0"/>
+              <a:t> </a:t>
+            </a:r>
+            <a:r>
+              <a:rPr lang="en-US" sz="1400" dirty="0"/>
+              <a:t>machine learning </a:t>
             </a:r>
             <a:r>
               <a:rPr lang="en-US" sz="1400" dirty="0" smtClean="0"/>
@@ -8114,8 +8153,19 @@
           <a:p>
             <a:r>
               <a:rPr lang="en-US" sz="1400" dirty="0" smtClean="0"/>
-              <a:t>Specificity ≥ 60%</a:t>
-            </a:r>
+              <a:t>Specificity ≥ 60</a:t>
+            </a:r>
+            <a:r>
+              <a:rPr lang="en-US" sz="1400" dirty="0" smtClean="0"/>
+              <a:t>%</a:t>
+            </a:r>
+          </a:p>
+          <a:p>
+            <a:r>
+              <a:rPr lang="en-US" sz="1400" dirty="0" smtClean="0"/>
+              <a:t>Positive Class is ‘No’</a:t>
+            </a:r>
+            <a:endParaRPr lang="en-US" sz="1400" dirty="0" smtClean="0"/>
           </a:p>
           <a:p>
             <a:endParaRPr lang="en-US" sz="1400" dirty="0"/>
@@ -9166,7 +9216,6 @@
               <a:rPr lang="en-US" dirty="0"/>
               <a:t>Sensitivity - Red</a:t>
             </a:r>
-            <a:endParaRPr lang="en-US" dirty="0"/>
           </a:p>
         </p:txBody>
       </p:sp>
@@ -9547,7 +9596,6 @@
               <a:rPr lang="en-US" dirty="0"/>
               <a:t>Sensitivity - Red</a:t>
             </a:r>
-            <a:endParaRPr lang="en-US" dirty="0"/>
           </a:p>
         </p:txBody>
       </p:sp>
@@ -10333,7 +10381,15 @@
             </a:pPr>
             <a:r>
               <a:rPr lang="en-US" dirty="0" smtClean="0"/>
-              <a:t>Test values calculated based on model</a:t>
+              <a:t>Predict test values </a:t>
+            </a:r>
+            <a:r>
+              <a:rPr lang="en-US" dirty="0" smtClean="0"/>
+              <a:t>based </a:t>
+            </a:r>
+            <a:r>
+              <a:rPr lang="en-US" dirty="0" smtClean="0"/>
+              <a:t>on model</a:t>
             </a:r>
           </a:p>
           <a:p>
